--- a/final_presentation.pptx
+++ b/final_presentation.pptx
@@ -4,6 +4,9 @@
   <p:sldMasterIdLst>
     <p:sldMasterId id="2147483648" r:id="rId1"/>
   </p:sldMasterIdLst>
+  <p:notesMasterIdLst>
+    <p:notesMasterId r:id="rId12"/>
+  </p:notesMasterIdLst>
   <p:sldIdLst>
     <p:sldId id="256" r:id="rId2"/>
     <p:sldId id="257" r:id="rId3"/>
@@ -16,10 +19,7 @@
     <p:sldId id="264" r:id="rId10"/>
     <p:sldId id="265" r:id="rId11"/>
   </p:sldIdLst>
-  <p:notesMasterIdLst>
-    <p:notesMasterId r:id="rId12"/>
-  </p:notesMasterIdLst>
-  <p:sldSz cx="9144000" cy="5143500"/>
+  <p:sldSz cx="9144000" cy="5143500" type="screen16x9"/>
   <p:notesSz cx="5143500" cy="9144000"/>
   <p:defaultTextStyle>
     <a:lvl1pPr marL="0" algn="l" defTabSz="914400" rtl="0" eaLnBrk="1" latinLnBrk="0" hangingPunct="1">
@@ -113,6 +113,11 @@
       </a:defRPr>
     </a:lvl9pPr>
   </p:defaultTextStyle>
+  <p:extLst>
+    <p:ext uri="{EFAFB233-063F-42B5-8137-9DF3F51BA10A}">
+      <p15:sldGuideLst xmlns:p15="http://schemas.microsoft.com/office/powerpoint/2012/main"/>
+    </p:ext>
+  </p:extLst>
 </p:presentation>
 </file>
 
@@ -138,234 +143,10 @@
           <a:chExt cx="0" cy="0"/>
         </a:xfrm>
       </p:grpSpPr>
-      <p:sp>
-        <p:nvSpPr>
-          <p:cNvPr id="2" name="Header Placeholder 1"/>
-          <p:cNvSpPr>
-            <a:spLocks noGrp="1"/>
-          </p:cNvSpPr>
-          <p:nvPr>
-            <p:ph type="hdr" sz="quarter"/>
-          </p:nvPr>
-        </p:nvSpPr>
-        <p:spPr>
-          <a:xfrm>
-            <a:off x="0" y="0"/>
-            <a:ext cx="2971800" cy="458788"/>
-          </a:xfrm>
-          <a:prstGeom prst="rect">
-            <a:avLst/>
-          </a:prstGeom>
-        </p:spPr>
-        <p:txBody>
-          <a:bodyPr vert="horz" lIns="91440" tIns="45720" rIns="91440" bIns="45720" rtlCol="0"/>
-          <a:lstStyle>
-            <a:lvl1pPr algn="l">
-              <a:defRPr sz="1200"/>
-            </a:lvl1pPr>
-          </a:lstStyle>
-          <a:p>
-            <a:endParaRPr lang="en-US"/>
-          </a:p>
-        </p:txBody>
-      </p:sp>
-      <p:sp>
-        <p:nvSpPr>
-          <p:cNvPr id="3" name="Date Placeholder 2"/>
-          <p:cNvSpPr>
-            <a:spLocks noGrp="1"/>
-          </p:cNvSpPr>
-          <p:nvPr>
-            <p:ph type="dt" idx="1"/>
-          </p:nvPr>
-        </p:nvSpPr>
-        <p:spPr>
-          <a:xfrm>
-            <a:off x="3884613" y="0"/>
-            <a:ext cx="2971800" cy="458788"/>
-          </a:xfrm>
-          <a:prstGeom prst="rect">
-            <a:avLst/>
-          </a:prstGeom>
-        </p:spPr>
-        <p:txBody>
-          <a:bodyPr vert="horz" lIns="91440" tIns="45720" rIns="91440" bIns="45720" rtlCol="0"/>
-          <a:lstStyle>
-            <a:lvl1pPr algn="r">
-              <a:defRPr sz="1200"/>
-            </a:lvl1pPr>
-          </a:lstStyle>
-          <a:p>
-            <a:fld id="{5282F153-3F37-0F45-9E97-73ACFA13230C}" type="datetimeFigureOut">
-              <a:rPr lang="en-US"/>
-              <a:t>7/23/19</a:t>
-            </a:fld>
-            <a:endParaRPr lang="en-US"/>
-          </a:p>
-        </p:txBody>
-      </p:sp>
-      <p:sp>
-        <p:nvSpPr>
-          <p:cNvPr id="4" name="Slide Image Placeholder 3"/>
-          <p:cNvSpPr>
-            <a:spLocks noGrp="1" noRot="1" noChangeAspect="1"/>
-          </p:cNvSpPr>
-          <p:nvPr>
-            <p:ph type="sldImg" idx="2"/>
-          </p:nvPr>
-        </p:nvSpPr>
-        <p:spPr>
-          <a:xfrm>
-            <a:off x="685800" y="1143000"/>
-            <a:ext cx="5486400" cy="3086100"/>
-          </a:xfrm>
-          <a:prstGeom prst="rect">
-            <a:avLst/>
-          </a:prstGeom>
-          <a:noFill/>
-          <a:ln w="12700">
-            <a:solidFill>
-              <a:prstClr val="black"/>
-            </a:solidFill>
-          </a:ln>
-        </p:spPr>
-        <p:txBody>
-          <a:bodyPr vert="horz" lIns="91440" tIns="45720" rIns="91440" bIns="45720" rtlCol="0" anchor="ctr"/>
-          <a:lstStyle/>
-          <a:p>
-            <a:endParaRPr lang="en-US"/>
-          </a:p>
-        </p:txBody>
-      </p:sp>
-      <p:sp>
-        <p:nvSpPr>
-          <p:cNvPr id="5" name="Notes Placeholder 4"/>
-          <p:cNvSpPr>
-            <a:spLocks noGrp="1"/>
-          </p:cNvSpPr>
-          <p:nvPr>
-            <p:ph type="body" sz="quarter" idx="3"/>
-          </p:nvPr>
-        </p:nvSpPr>
-        <p:spPr>
-          <a:xfrm>
-            <a:off x="685800" y="4400550"/>
-            <a:ext cx="5486400" cy="3600450"/>
-          </a:xfrm>
-          <a:prstGeom prst="rect">
-            <a:avLst/>
-          </a:prstGeom>
-        </p:spPr>
-        <p:txBody>
-          <a:bodyPr vert="horz" lIns="91440" tIns="45720" rIns="91440" bIns="45720" rtlCol="0"/>
-          <a:lstStyle/>
-          <a:p>
-            <a:pPr lvl="0"/>
-            <a:r>
-              <a:rPr lang="en-US"/>
-              <a:t>Click to edit Master text styles</a:t>
-            </a:r>
-          </a:p>
-          <a:p>
-            <a:pPr lvl="1"/>
-            <a:r>
-              <a:rPr lang="en-US"/>
-              <a:t>Second level</a:t>
-            </a:r>
-          </a:p>
-          <a:p>
-            <a:pPr lvl="2"/>
-            <a:r>
-              <a:rPr lang="en-US"/>
-              <a:t>Third level</a:t>
-            </a:r>
-          </a:p>
-          <a:p>
-            <a:pPr lvl="3"/>
-            <a:r>
-              <a:rPr lang="en-US"/>
-              <a:t>Fourth level</a:t>
-            </a:r>
-          </a:p>
-          <a:p>
-            <a:pPr lvl="4"/>
-            <a:r>
-              <a:rPr lang="en-US"/>
-              <a:t>Fifth level</a:t>
-            </a:r>
-          </a:p>
-        </p:txBody>
-      </p:sp>
-      <p:sp>
-        <p:nvSpPr>
-          <p:cNvPr id="6" name="Footer Placeholder 5"/>
-          <p:cNvSpPr>
-            <a:spLocks noGrp="1"/>
-          </p:cNvSpPr>
-          <p:nvPr>
-            <p:ph type="ftr" sz="quarter" idx="4"/>
-          </p:nvPr>
-        </p:nvSpPr>
-        <p:spPr>
-          <a:xfrm>
-            <a:off x="0" y="8685213"/>
-            <a:ext cx="2971800" cy="458787"/>
-          </a:xfrm>
-          <a:prstGeom prst="rect">
-            <a:avLst/>
-          </a:prstGeom>
-        </p:spPr>
-        <p:txBody>
-          <a:bodyPr vert="horz" lIns="91440" tIns="45720" rIns="91440" bIns="45720" rtlCol="0" anchor="b"/>
-          <a:lstStyle>
-            <a:lvl1pPr algn="l">
-              <a:defRPr sz="1200"/>
-            </a:lvl1pPr>
-          </a:lstStyle>
-          <a:p>
-            <a:endParaRPr lang="en-US"/>
-          </a:p>
-        </p:txBody>
-      </p:sp>
-      <p:sp>
-        <p:nvSpPr>
-          <p:cNvPr id="7" name="Slide Number Placeholder 6"/>
-          <p:cNvSpPr>
-            <a:spLocks noGrp="1"/>
-          </p:cNvSpPr>
-          <p:nvPr>
-            <p:ph type="sldNum" sz="quarter" idx="5"/>
-          </p:nvPr>
-        </p:nvSpPr>
-        <p:spPr>
-          <a:xfrm>
-            <a:off x="3884613" y="8685213"/>
-            <a:ext cx="2971800" cy="458787"/>
-          </a:xfrm>
-          <a:prstGeom prst="rect">
-            <a:avLst/>
-          </a:prstGeom>
-        </p:spPr>
-        <p:txBody>
-          <a:bodyPr vert="horz" lIns="91440" tIns="45720" rIns="91440" bIns="45720" rtlCol="0" anchor="b"/>
-          <a:lstStyle>
-            <a:lvl1pPr algn="r">
-              <a:defRPr sz="1200"/>
-            </a:lvl1pPr>
-          </a:lstStyle>
-          <a:p>
-            <a:fld id="{CE5E9CC1-C706-0F49-92D6-E571CC5EEA8F}" type="slidenum">
-              <a:rPr lang="en-US"/>
-              <a:t>‹#›</a:t>
-            </a:fld>
-            <a:endParaRPr lang="en-US"/>
-          </a:p>
-        </p:txBody>
-      </p:sp>
     </p:spTree>
     <p:extLst>
       <p:ext uri="{BB962C8B-B14F-4D97-AF65-F5344CB8AC3E}">
-        <p14:creationId xmlns:p14="http://schemas.microsoft.com/office/powerpoint/2010/main" val="1024086991"/>
+        <p14:creationId xmlns:p14="http://schemas.microsoft.com/office/powerpoint/2010/main" val="3931466247"/>
       </p:ext>
     </p:extLst>
   </p:cSld>
@@ -509,10 +290,6 @@
           <a:bodyPr/>
           <a:lstStyle/>
           <a:p>
-            <a:r>
-              <a:rPr lang="en-US" dirty="0"/>
-              <a:t/>
-            </a:r>
             <a:endParaRPr lang="en-US" dirty="0"/>
           </a:p>
         </p:txBody>
@@ -597,10 +374,6 @@
           <a:bodyPr/>
           <a:lstStyle/>
           <a:p>
-            <a:r>
-              <a:rPr lang="en-US" dirty="0"/>
-              <a:t/>
-            </a:r>
             <a:endParaRPr lang="en-US" dirty="0"/>
           </a:p>
         </p:txBody>
@@ -685,10 +458,6 @@
           <a:bodyPr/>
           <a:lstStyle/>
           <a:p>
-            <a:r>
-              <a:rPr lang="en-US" dirty="0"/>
-              <a:t/>
-            </a:r>
             <a:endParaRPr lang="en-US" dirty="0"/>
           </a:p>
         </p:txBody>
@@ -773,10 +542,6 @@
           <a:bodyPr/>
           <a:lstStyle/>
           <a:p>
-            <a:r>
-              <a:rPr lang="en-US" dirty="0"/>
-              <a:t/>
-            </a:r>
             <a:endParaRPr lang="en-US" dirty="0"/>
           </a:p>
         </p:txBody>
@@ -861,10 +626,6 @@
           <a:bodyPr/>
           <a:lstStyle/>
           <a:p>
-            <a:r>
-              <a:rPr lang="en-US" dirty="0"/>
-              <a:t/>
-            </a:r>
             <a:endParaRPr lang="en-US" dirty="0"/>
           </a:p>
         </p:txBody>
@@ -949,10 +710,6 @@
           <a:bodyPr/>
           <a:lstStyle/>
           <a:p>
-            <a:r>
-              <a:rPr lang="en-US" dirty="0"/>
-              <a:t/>
-            </a:r>
             <a:endParaRPr lang="en-US" dirty="0"/>
           </a:p>
         </p:txBody>
@@ -1037,10 +794,6 @@
           <a:bodyPr/>
           <a:lstStyle/>
           <a:p>
-            <a:r>
-              <a:rPr lang="en-US" dirty="0"/>
-              <a:t/>
-            </a:r>
             <a:endParaRPr lang="en-US" dirty="0"/>
           </a:p>
         </p:txBody>
@@ -1125,10 +878,6 @@
           <a:bodyPr/>
           <a:lstStyle/>
           <a:p>
-            <a:r>
-              <a:rPr lang="en-US" dirty="0"/>
-              <a:t/>
-            </a:r>
             <a:endParaRPr lang="en-US" dirty="0"/>
           </a:p>
         </p:txBody>
@@ -1213,10 +962,6 @@
           <a:bodyPr/>
           <a:lstStyle/>
           <a:p>
-            <a:r>
-              <a:rPr lang="en-US" dirty="0"/>
-              <a:t/>
-            </a:r>
             <a:endParaRPr lang="en-US" dirty="0"/>
           </a:p>
         </p:txBody>
@@ -1301,10 +1046,6 @@
           <a:bodyPr/>
           <a:lstStyle/>
           <a:p>
-            <a:r>
-              <a:rPr lang="en-US" dirty="0"/>
-              <a:t/>
-            </a:r>
             <a:endParaRPr lang="en-US" dirty="0"/>
           </a:p>
         </p:txBody>
@@ -1378,6 +1119,11 @@
 <file path=ppt/slideMasters/slideMaster1.xml><?xml version="1.0" encoding="utf-8"?>
 <p:sldMaster xmlns:a="http://schemas.openxmlformats.org/drawingml/2006/main" xmlns:r="http://schemas.openxmlformats.org/officeDocument/2006/relationships" xmlns:p="http://schemas.openxmlformats.org/presentationml/2006/main">
   <p:cSld>
+    <p:bg>
+      <p:bgRef idx="1001">
+        <a:schemeClr val="bg1"/>
+      </p:bgRef>
+    </p:bg>
     <p:spTree>
       <p:nvGrpSpPr>
         <p:cNvPr id="1" name=""/>
@@ -1660,6 +1406,7 @@
         <a:solidFill>
           <a:srgbClr val="004D98"/>
         </a:solidFill>
+        <a:effectLst/>
       </p:bgPr>
     </p:bg>
     <p:spTree>
@@ -1695,6 +1442,13 @@
           </a:solidFill>
           <a:ln/>
         </p:spPr>
+        <p:txBody>
+          <a:bodyPr/>
+          <a:lstStyle/>
+          <a:p>
+            <a:endParaRPr lang="en-US"/>
+          </a:p>
+        </p:txBody>
       </p:sp>
       <p:sp>
         <p:nvSpPr>
@@ -1717,7 +1471,7 @@
           <a:bodyPr wrap="square" rtlCol="0" anchor="ctr"/>
           <a:lstStyle/>
           <a:p>
-            <a:pPr indent="0" marL="0">
+            <a:pPr marL="0" indent="0">
               <a:lnSpc>
                 <a:spcPct val="110000"/>
               </a:lnSpc>
@@ -1737,14 +1491,14 @@
             <a:endParaRPr lang="en-US" sz="3800" dirty="0"/>
           </a:p>
           <a:p>
-            <a:pPr indent="0" marL="0">
+            <a:pPr marL="0" indent="0">
               <a:lnSpc>
                 <a:spcPct val="110000"/>
               </a:lnSpc>
               <a:buNone/>
             </a:pPr>
             <a:r>
-              <a:rPr lang="en-US" sz="3800" b="1" dirty="0">
+              <a:rPr lang="en-US" sz="3800" b="1">
                 <a:solidFill>
                   <a:srgbClr val="FFFFFF"/>
                 </a:solidFill>
@@ -1752,7 +1506,7 @@
                 <a:ea typeface="Arial Black" pitchFamily="34" charset="-122"/>
                 <a:cs typeface="Arial Black" pitchFamily="34" charset="-120"/>
               </a:rPr>
-              <a:t>DEFENSIVE FAULT LINES</a:t>
+              <a:t>Pressure Cooker</a:t>
             </a:r>
             <a:endParaRPr lang="en-US" sz="3800" dirty="0"/>
           </a:p>
@@ -1779,7 +1533,7 @@
           <a:bodyPr wrap="square" rtlCol="0" anchor="ctr"/>
           <a:lstStyle/>
           <a:p>
-            <a:pPr indent="0" marL="0">
+            <a:pPr marL="0" indent="0">
               <a:buNone/>
             </a:pPr>
             <a:r>
@@ -1818,7 +1572,7 @@
           <a:bodyPr wrap="square" rtlCol="0" anchor="ctr"/>
           <a:lstStyle/>
           <a:p>
-            <a:pPr indent="0" marL="0">
+            <a:pPr marL="0" indent="0">
               <a:lnSpc>
                 <a:spcPct val="130000"/>
               </a:lnSpc>
@@ -1838,7 +1592,7 @@
             <a:endParaRPr lang="en-US" sz="1400" dirty="0"/>
           </a:p>
           <a:p>
-            <a:pPr indent="0" marL="0">
+            <a:pPr marL="0" indent="0">
               <a:lnSpc>
                 <a:spcPct val="130000"/>
               </a:lnSpc>
@@ -1875,6 +1629,7 @@
         <a:solidFill>
           <a:srgbClr val="004D98"/>
         </a:solidFill>
+        <a:effectLst/>
       </p:bgPr>
     </p:bg>
     <p:spTree>
@@ -1910,6 +1665,13 @@
           </a:solidFill>
           <a:ln/>
         </p:spPr>
+        <p:txBody>
+          <a:bodyPr/>
+          <a:lstStyle/>
+          <a:p>
+            <a:endParaRPr lang="en-US"/>
+          </a:p>
+        </p:txBody>
       </p:sp>
       <p:sp>
         <p:nvSpPr>
@@ -1932,7 +1694,7 @@
           <a:bodyPr wrap="square" rtlCol="0" anchor="ctr"/>
           <a:lstStyle/>
           <a:p>
-            <a:pPr indent="0" marL="0">
+            <a:pPr marL="0" indent="0">
               <a:buNone/>
             </a:pPr>
             <a:r>
@@ -1971,7 +1733,7 @@
           <a:bodyPr wrap="square" rtlCol="0" anchor="t"/>
           <a:lstStyle/>
           <a:p>
-            <a:pPr indent="0" marL="0">
+            <a:pPr marL="0" indent="0">
               <a:buNone/>
             </a:pPr>
             <a:r>
@@ -1985,9 +1747,6 @@
               </a:rPr>
               <a:t>1. </a:t>
             </a:r>
-            <a:pPr indent="0" marL="0">
-              <a:buNone/>
-            </a:pPr>
             <a:r>
               <a:rPr lang="en-US" sz="1400" b="1" dirty="0">
                 <a:solidFill>
@@ -1999,9 +1758,6 @@
               </a:rPr>
               <a:t>Transition play is Barcelona's primary vulnerability </a:t>
             </a:r>
-            <a:pPr indent="0" marL="0">
-              <a:buNone/>
-            </a:pPr>
             <a:r>
               <a:rPr lang="en-US" sz="1400" dirty="0">
                 <a:solidFill>
@@ -2016,7 +1772,7 @@
             <a:endParaRPr lang="en-US" sz="1400" dirty="0"/>
           </a:p>
           <a:p>
-            <a:pPr indent="0" marL="0">
+            <a:pPr marL="0" indent="0">
               <a:buNone/>
             </a:pPr>
             <a:r>
@@ -2034,7 +1790,7 @@
             <a:endParaRPr lang="en-US" sz="1400" dirty="0"/>
           </a:p>
           <a:p>
-            <a:pPr indent="0" marL="0">
+            <a:pPr marL="0" indent="0">
               <a:buNone/>
             </a:pPr>
             <a:r>
@@ -2048,9 +1804,6 @@
               </a:rPr>
               <a:t>2. </a:t>
             </a:r>
-            <a:pPr indent="0" marL="0">
-              <a:buNone/>
-            </a:pPr>
             <a:r>
               <a:rPr lang="en-US" sz="1400" b="1" dirty="0">
                 <a:solidFill>
@@ -2062,9 +1815,6 @@
               </a:rPr>
               <a:t>Smart Tagging alone produces actionable intelligence </a:t>
             </a:r>
-            <a:pPr indent="0" marL="0">
-              <a:buNone/>
-            </a:pPr>
             <a:r>
               <a:rPr lang="en-US" sz="1400" dirty="0">
                 <a:solidFill>
@@ -2079,7 +1829,7 @@
             <a:endParaRPr lang="en-US" sz="1400" dirty="0"/>
           </a:p>
           <a:p>
-            <a:pPr indent="0" marL="0">
+            <a:pPr marL="0" indent="0">
               <a:buNone/>
             </a:pPr>
             <a:r>
@@ -2097,7 +1847,7 @@
             <a:endParaRPr lang="en-US" sz="1400" dirty="0"/>
           </a:p>
           <a:p>
-            <a:pPr indent="0" marL="0">
+            <a:pPr marL="0" indent="0">
               <a:buNone/>
             </a:pPr>
             <a:r>
@@ -2111,9 +1861,6 @@
               </a:rPr>
               <a:t>3. </a:t>
             </a:r>
-            <a:pPr indent="0" marL="0">
-              <a:buNone/>
-            </a:pPr>
             <a:r>
               <a:rPr lang="en-US" sz="1400" b="1" dirty="0">
                 <a:solidFill>
@@ -2125,9 +1872,6 @@
               </a:rPr>
               <a:t>LLM explanations are grounded and verifiable </a:t>
             </a:r>
-            <a:pPr indent="0" marL="0">
-              <a:buNone/>
-            </a:pPr>
             <a:r>
               <a:rPr lang="en-US" sz="1400" dirty="0">
                 <a:solidFill>
@@ -2142,7 +1886,7 @@
             <a:endParaRPr lang="en-US" sz="1400" dirty="0"/>
           </a:p>
           <a:p>
-            <a:pPr indent="0" marL="0">
+            <a:pPr marL="0" indent="0">
               <a:buNone/>
             </a:pPr>
             <a:r>
@@ -2160,7 +1904,7 @@
             <a:endParaRPr lang="en-US" sz="1400" dirty="0"/>
           </a:p>
           <a:p>
-            <a:pPr indent="0" marL="0">
+            <a:pPr marL="0" indent="0">
               <a:buNone/>
             </a:pPr>
             <a:r>
@@ -2174,9 +1918,6 @@
               </a:rPr>
               <a:t>4. </a:t>
             </a:r>
-            <a:pPr indent="0" marL="0">
-              <a:buNone/>
-            </a:pPr>
             <a:r>
               <a:rPr lang="en-US" sz="1400" b="1" dirty="0">
                 <a:solidFill>
@@ -2188,9 +1929,6 @@
               </a:rPr>
               <a:t>Honest about limitations </a:t>
             </a:r>
-            <a:pPr indent="0" marL="0">
-              <a:buNone/>
-            </a:pPr>
             <a:r>
               <a:rPr lang="en-US" sz="1400" dirty="0">
                 <a:solidFill>
@@ -2227,7 +1965,7 @@
           <a:bodyPr wrap="square" rtlCol="0" anchor="ctr"/>
           <a:lstStyle/>
           <a:p>
-            <a:pPr indent="0" marL="0">
+            <a:pPr marL="0" indent="0">
               <a:buNone/>
             </a:pPr>
             <a:r>
@@ -2266,7 +2004,7 @@
           <a:bodyPr wrap="square" rtlCol="0" anchor="ctr"/>
           <a:lstStyle/>
           <a:p>
-            <a:pPr indent="0" marL="0">
+            <a:pPr marL="0" indent="0">
               <a:buNone/>
             </a:pPr>
             <a:r>
@@ -2300,6 +2038,7 @@
         <a:solidFill>
           <a:srgbClr val="F8FAFC"/>
         </a:solidFill>
+        <a:effectLst/>
       </p:bgPr>
     </p:bg>
     <p:spTree>
@@ -2337,7 +2076,7 @@
           <a:bodyPr wrap="square" rtlCol="0" anchor="ctr"/>
           <a:lstStyle/>
           <a:p>
-            <a:pPr indent="0" marL="0">
+            <a:pPr marL="0" indent="0">
               <a:buNone/>
             </a:pPr>
             <a:r>
@@ -2376,7 +2115,7 @@
           <a:bodyPr wrap="square" rtlCol="0" anchor="t"/>
           <a:lstStyle/>
           <a:p>
-            <a:pPr indent="0" marL="0">
+            <a:pPr marL="0" indent="0">
               <a:buNone/>
             </a:pPr>
             <a:r>
@@ -2390,7 +2129,7 @@
             <a:endParaRPr lang="en-US" sz="1800" dirty="0"/>
           </a:p>
           <a:p>
-            <a:pPr indent="0" marL="0">
+            <a:pPr marL="0" indent="0">
               <a:buNone/>
             </a:pPr>
             <a:r>
@@ -2405,7 +2144,7 @@
             <a:endParaRPr lang="en-US" sz="1800" dirty="0"/>
           </a:p>
           <a:p>
-            <a:pPr indent="0" marL="0">
+            <a:pPr marL="0" indent="0">
               <a:buNone/>
             </a:pPr>
             <a:r>
@@ -2419,7 +2158,7 @@
             <a:endParaRPr lang="en-US" sz="1800" dirty="0"/>
           </a:p>
           <a:p>
-            <a:pPr indent="0" marL="0">
+            <a:pPr marL="0" indent="0">
               <a:buNone/>
             </a:pPr>
             <a:r>
@@ -2434,7 +2173,7 @@
             <a:endParaRPr lang="en-US" sz="1800" dirty="0"/>
           </a:p>
           <a:p>
-            <a:pPr indent="0" marL="0">
+            <a:pPr marL="0" indent="0">
               <a:buNone/>
             </a:pPr>
             <a:r>
@@ -2448,7 +2187,7 @@
             <a:endParaRPr lang="en-US" sz="1800" dirty="0"/>
           </a:p>
           <a:p>
-            <a:pPr indent="0" marL="0">
+            <a:pPr marL="0" indent="0">
               <a:buNone/>
             </a:pPr>
             <a:r>
@@ -2463,7 +2202,7 @@
             <a:endParaRPr lang="en-US" sz="1800" dirty="0"/>
           </a:p>
           <a:p>
-            <a:pPr indent="0" marL="0">
+            <a:pPr marL="0" indent="0">
               <a:buNone/>
             </a:pPr>
             <a:r>
@@ -2497,13 +2236,20 @@
           </a:solidFill>
           <a:ln/>
           <a:effectLst>
-            <a:outerShdw sx="100000" sy="100000" kx="0" ky="0" algn="bl" rotWithShape="0" blurRad="50800" dist="25400" dir="8100000">
+            <a:outerShdw blurRad="50800" dist="25400" dir="8100000" algn="bl" rotWithShape="0">
               <a:srgbClr val="000000">
                 <a:alpha val="10000"/>
               </a:srgbClr>
             </a:outerShdw>
           </a:effectLst>
         </p:spPr>
+        <p:txBody>
+          <a:bodyPr/>
+          <a:lstStyle/>
+          <a:p>
+            <a:endParaRPr lang="en-US"/>
+          </a:p>
+        </p:txBody>
       </p:sp>
       <p:sp>
         <p:nvSpPr>
@@ -2524,6 +2270,13 @@
           </a:solidFill>
           <a:ln/>
         </p:spPr>
+        <p:txBody>
+          <a:bodyPr/>
+          <a:lstStyle/>
+          <a:p>
+            <a:endParaRPr lang="en-US"/>
+          </a:p>
+        </p:txBody>
       </p:sp>
       <p:sp>
         <p:nvSpPr>
@@ -2546,7 +2299,7 @@
           <a:bodyPr wrap="square" rtlCol="0" anchor="ctr"/>
           <a:lstStyle/>
           <a:p>
-            <a:pPr algn="ctr" indent="0" marL="0">
+            <a:pPr marL="0" indent="0" algn="ctr">
               <a:buNone/>
             </a:pPr>
             <a:r>
@@ -2585,7 +2338,7 @@
           <a:bodyPr wrap="square" rtlCol="0" anchor="t"/>
           <a:lstStyle/>
           <a:p>
-            <a:pPr indent="0" marL="0">
+            <a:pPr marL="0" indent="0">
               <a:buNone/>
             </a:pPr>
             <a:r>
@@ -2599,9 +2352,6 @@
               </a:rPr>
               <a:t>Primary: </a:t>
             </a:r>
-            <a:pPr indent="0" marL="0">
-              <a:buNone/>
-            </a:pPr>
             <a:r>
               <a:rPr lang="en-US" sz="1300" dirty="0">
                 <a:solidFill>
@@ -2616,7 +2366,7 @@
             <a:endParaRPr lang="en-US" sz="1300" dirty="0"/>
           </a:p>
           <a:p>
-            <a:pPr indent="0" marL="0">
+            <a:pPr marL="0" indent="0">
               <a:buNone/>
             </a:pPr>
             <a:r>
@@ -2633,7 +2383,7 @@
             <a:endParaRPr lang="en-US" sz="1300" dirty="0"/>
           </a:p>
           <a:p>
-            <a:pPr indent="0" marL="0">
+            <a:pPr marL="0" indent="0">
               <a:buNone/>
             </a:pPr>
             <a:r>
@@ -2650,7 +2400,7 @@
             <a:endParaRPr lang="en-US" sz="1300" dirty="0"/>
           </a:p>
           <a:p>
-            <a:pPr indent="0" marL="0">
+            <a:pPr marL="0" indent="0">
               <a:buNone/>
             </a:pPr>
             <a:r>
@@ -2668,7 +2418,7 @@
             <a:endParaRPr lang="en-US" sz="1300" dirty="0"/>
           </a:p>
           <a:p>
-            <a:pPr indent="0" marL="0">
+            <a:pPr marL="0" indent="0">
               <a:buNone/>
             </a:pPr>
             <a:r>
@@ -2682,9 +2432,6 @@
               </a:rPr>
               <a:t>Also covers: </a:t>
             </a:r>
-            <a:pPr indent="0" marL="0">
-              <a:buNone/>
-            </a:pPr>
             <a:r>
               <a:rPr lang="en-US" sz="1300" dirty="0">
                 <a:solidFill>
@@ -2699,7 +2446,7 @@
             <a:endParaRPr lang="en-US" sz="1300" dirty="0"/>
           </a:p>
           <a:p>
-            <a:pPr indent="0" marL="0">
+            <a:pPr marL="0" indent="0">
               <a:buNone/>
             </a:pPr>
             <a:r>
@@ -2716,7 +2463,7 @@
             <a:endParaRPr lang="en-US" sz="1300" dirty="0"/>
           </a:p>
           <a:p>
-            <a:pPr indent="0" marL="0">
+            <a:pPr marL="0" indent="0">
               <a:buNone/>
             </a:pPr>
             <a:r>
@@ -2733,7 +2480,7 @@
             <a:endParaRPr lang="en-US" sz="1300" dirty="0"/>
           </a:p>
           <a:p>
-            <a:pPr indent="0" marL="0">
+            <a:pPr marL="0" indent="0">
               <a:buNone/>
             </a:pPr>
             <a:r>
@@ -2751,7 +2498,7 @@
             <a:endParaRPr lang="en-US" sz="1300" dirty="0"/>
           </a:p>
           <a:p>
-            <a:pPr indent="0" marL="0">
+            <a:pPr marL="0" indent="0">
               <a:buNone/>
             </a:pPr>
             <a:r>
@@ -2765,9 +2512,6 @@
               </a:rPr>
               <a:t>Extension: </a:t>
             </a:r>
-            <a:pPr indent="0" marL="0">
-              <a:buNone/>
-            </a:pPr>
             <a:r>
               <a:rPr lang="en-US" sz="1300" dirty="0">
                 <a:solidFill>
@@ -2782,7 +2526,7 @@
             <a:endParaRPr lang="en-US" sz="1300" dirty="0"/>
           </a:p>
           <a:p>
-            <a:pPr indent="0" marL="0">
+            <a:pPr marL="0" indent="0">
               <a:buNone/>
             </a:pPr>
             <a:r>
@@ -2816,6 +2560,7 @@
         <a:solidFill>
           <a:srgbClr val="F8FAFC"/>
         </a:solidFill>
+        <a:effectLst/>
       </p:bgPr>
     </p:bg>
     <p:spTree>
@@ -2853,7 +2598,7 @@
           <a:bodyPr wrap="square" rtlCol="0" anchor="ctr"/>
           <a:lstStyle/>
           <a:p>
-            <a:pPr indent="0" marL="0">
+            <a:pPr marL="0" indent="0">
               <a:buNone/>
             </a:pPr>
             <a:r>
@@ -2890,13 +2635,20 @@
           </a:solidFill>
           <a:ln/>
           <a:effectLst>
-            <a:outerShdw sx="100000" sy="100000" kx="0" ky="0" algn="bl" rotWithShape="0" blurRad="50800" dist="25400" dir="8100000">
+            <a:outerShdw blurRad="50800" dist="25400" dir="8100000" algn="bl" rotWithShape="0">
               <a:srgbClr val="000000">
                 <a:alpha val="10000"/>
               </a:srgbClr>
             </a:outerShdw>
           </a:effectLst>
         </p:spPr>
+        <p:txBody>
+          <a:bodyPr/>
+          <a:lstStyle/>
+          <a:p>
+            <a:endParaRPr lang="en-US"/>
+          </a:p>
+        </p:txBody>
       </p:sp>
       <p:sp>
         <p:nvSpPr>
@@ -2919,7 +2671,7 @@
           <a:bodyPr wrap="square" rtlCol="0" anchor="ctr"/>
           <a:lstStyle/>
           <a:p>
-            <a:pPr algn="ctr" indent="0" marL="0">
+            <a:pPr marL="0" indent="0" algn="ctr">
               <a:buNone/>
             </a:pPr>
             <a:r>
@@ -2955,7 +2707,7 @@
           <a:bodyPr wrap="square" rtlCol="0" anchor="ctr"/>
           <a:lstStyle/>
           <a:p>
-            <a:pPr indent="0" marL="0">
+            <a:pPr marL="0" indent="0">
               <a:buNone/>
             </a:pPr>
             <a:r>
@@ -2972,7 +2724,7 @@
             <a:endParaRPr lang="en-US" sz="1100" dirty="0"/>
           </a:p>
           <a:p>
-            <a:pPr indent="0" marL="0">
+            <a:pPr marL="0" indent="0">
               <a:buNone/>
             </a:pPr>
             <a:r>
@@ -2989,7 +2741,7 @@
             <a:endParaRPr lang="en-US" sz="1100" dirty="0"/>
           </a:p>
           <a:p>
-            <a:pPr indent="0" marL="0">
+            <a:pPr marL="0" indent="0">
               <a:buNone/>
             </a:pPr>
             <a:r>
@@ -3026,13 +2778,20 @@
           </a:solidFill>
           <a:ln/>
           <a:effectLst>
-            <a:outerShdw sx="100000" sy="100000" kx="0" ky="0" algn="bl" rotWithShape="0" blurRad="50800" dist="25400" dir="8100000">
+            <a:outerShdw blurRad="50800" dist="25400" dir="8100000" algn="bl" rotWithShape="0">
               <a:srgbClr val="000000">
                 <a:alpha val="10000"/>
               </a:srgbClr>
             </a:outerShdw>
           </a:effectLst>
         </p:spPr>
+        <p:txBody>
+          <a:bodyPr/>
+          <a:lstStyle/>
+          <a:p>
+            <a:endParaRPr lang="en-US"/>
+          </a:p>
+        </p:txBody>
       </p:sp>
       <p:sp>
         <p:nvSpPr>
@@ -3055,7 +2814,7 @@
           <a:bodyPr wrap="square" rtlCol="0" anchor="ctr"/>
           <a:lstStyle/>
           <a:p>
-            <a:pPr algn="ctr" indent="0" marL="0">
+            <a:pPr marL="0" indent="0" algn="ctr">
               <a:buNone/>
             </a:pPr>
             <a:r>
@@ -3091,7 +2850,7 @@
           <a:bodyPr wrap="square" rtlCol="0" anchor="ctr"/>
           <a:lstStyle/>
           <a:p>
-            <a:pPr indent="0" marL="0">
+            <a:pPr marL="0" indent="0">
               <a:buNone/>
             </a:pPr>
             <a:r>
@@ -3108,7 +2867,7 @@
             <a:endParaRPr lang="en-US" sz="1100" dirty="0"/>
           </a:p>
           <a:p>
-            <a:pPr indent="0" marL="0">
+            <a:pPr marL="0" indent="0">
               <a:buNone/>
             </a:pPr>
             <a:r>
@@ -3125,7 +2884,7 @@
             <a:endParaRPr lang="en-US" sz="1100" dirty="0"/>
           </a:p>
           <a:p>
-            <a:pPr indent="0" marL="0">
+            <a:pPr marL="0" indent="0">
               <a:buNone/>
             </a:pPr>
             <a:r>
@@ -3162,13 +2921,20 @@
           </a:solidFill>
           <a:ln/>
           <a:effectLst>
-            <a:outerShdw sx="100000" sy="100000" kx="0" ky="0" algn="bl" rotWithShape="0" blurRad="50800" dist="25400" dir="8100000">
+            <a:outerShdw blurRad="50800" dist="25400" dir="8100000" algn="bl" rotWithShape="0">
               <a:srgbClr val="000000">
                 <a:alpha val="10000"/>
               </a:srgbClr>
             </a:outerShdw>
           </a:effectLst>
         </p:spPr>
+        <p:txBody>
+          <a:bodyPr/>
+          <a:lstStyle/>
+          <a:p>
+            <a:endParaRPr lang="en-US"/>
+          </a:p>
+        </p:txBody>
       </p:sp>
       <p:sp>
         <p:nvSpPr>
@@ -3191,7 +2957,7 @@
           <a:bodyPr wrap="square" rtlCol="0" anchor="ctr"/>
           <a:lstStyle/>
           <a:p>
-            <a:pPr indent="0" marL="0">
+            <a:pPr marL="0" indent="0">
               <a:buNone/>
             </a:pPr>
             <a:r>
@@ -3227,7 +2993,7 @@
           <a:bodyPr wrap="square" rtlCol="0" anchor="ctr"/>
           <a:lstStyle/>
           <a:p>
-            <a:pPr indent="0" marL="0">
+            <a:pPr marL="0" indent="0">
               <a:buNone/>
             </a:pPr>
             <a:r>
@@ -3261,6 +3027,7 @@
         <a:solidFill>
           <a:srgbClr val="F8FAFC"/>
         </a:solidFill>
+        <a:effectLst/>
       </p:bgPr>
     </p:bg>
     <p:spTree>
@@ -3298,7 +3065,7 @@
           <a:bodyPr wrap="square" rtlCol="0" anchor="ctr"/>
           <a:lstStyle/>
           <a:p>
-            <a:pPr indent="0" marL="0">
+            <a:pPr marL="0" indent="0">
               <a:buNone/>
             </a:pPr>
             <a:r>
@@ -3318,14 +3085,14 @@
       </p:sp>
       <p:pic>
         <p:nvPicPr>
-          <p:cNvPr id="3" name="Image 0" descr="/home/claude/figures/architecture.png">    </p:cNvPr>
+          <p:cNvPr id="3" name="Image 0" descr="/home/claude/figures/architecture.png"/>
           <p:cNvPicPr>
             <a:picLocks noChangeAspect="1"/>
           </p:cNvPicPr>
           <p:nvPr/>
         </p:nvPicPr>
         <p:blipFill>
-          <a:blip r:embed="rId1"/>
+          <a:blip r:embed="rId3"/>
           <a:stretch>
             <a:fillRect/>
           </a:stretch>
@@ -3359,13 +3126,20 @@
           </a:solidFill>
           <a:ln/>
           <a:effectLst>
-            <a:outerShdw sx="100000" sy="100000" kx="0" ky="0" algn="bl" rotWithShape="0" blurRad="50800" dist="25400" dir="8100000">
+            <a:outerShdw blurRad="50800" dist="25400" dir="8100000" algn="bl" rotWithShape="0">
               <a:srgbClr val="000000">
                 <a:alpha val="10000"/>
               </a:srgbClr>
             </a:outerShdw>
           </a:effectLst>
         </p:spPr>
+        <p:txBody>
+          <a:bodyPr/>
+          <a:lstStyle/>
+          <a:p>
+            <a:endParaRPr lang="en-US"/>
+          </a:p>
+        </p:txBody>
       </p:sp>
       <p:sp>
         <p:nvSpPr>
@@ -3388,7 +3162,7 @@
           <a:bodyPr wrap="square" rtlCol="0" anchor="ctr"/>
           <a:lstStyle/>
           <a:p>
-            <a:pPr algn="ctr" indent="0" marL="0">
+            <a:pPr marL="0" indent="0" algn="ctr">
               <a:buNone/>
             </a:pPr>
             <a:r>
@@ -3424,7 +3198,7 @@
           <a:bodyPr wrap="square" rtlCol="0" anchor="t"/>
           <a:lstStyle/>
           <a:p>
-            <a:pPr indent="0" marL="0">
+            <a:pPr marL="0" indent="0">
               <a:buNone/>
             </a:pPr>
             <a:r>
@@ -3461,13 +3235,20 @@
           </a:solidFill>
           <a:ln/>
           <a:effectLst>
-            <a:outerShdw sx="100000" sy="100000" kx="0" ky="0" algn="bl" rotWithShape="0" blurRad="50800" dist="25400" dir="8100000">
+            <a:outerShdw blurRad="50800" dist="25400" dir="8100000" algn="bl" rotWithShape="0">
               <a:srgbClr val="000000">
                 <a:alpha val="10000"/>
               </a:srgbClr>
             </a:outerShdw>
           </a:effectLst>
         </p:spPr>
+        <p:txBody>
+          <a:bodyPr/>
+          <a:lstStyle/>
+          <a:p>
+            <a:endParaRPr lang="en-US"/>
+          </a:p>
+        </p:txBody>
       </p:sp>
       <p:sp>
         <p:nvSpPr>
@@ -3490,7 +3271,7 @@
           <a:bodyPr wrap="square" rtlCol="0" anchor="ctr"/>
           <a:lstStyle/>
           <a:p>
-            <a:pPr algn="ctr" indent="0" marL="0">
+            <a:pPr marL="0" indent="0" algn="ctr">
               <a:buNone/>
             </a:pPr>
             <a:r>
@@ -3526,7 +3307,7 @@
           <a:bodyPr wrap="square" rtlCol="0" anchor="t"/>
           <a:lstStyle/>
           <a:p>
-            <a:pPr indent="0" marL="0">
+            <a:pPr marL="0" indent="0">
               <a:buNone/>
             </a:pPr>
             <a:r>
@@ -3563,13 +3344,20 @@
           </a:solidFill>
           <a:ln/>
           <a:effectLst>
-            <a:outerShdw sx="100000" sy="100000" kx="0" ky="0" algn="bl" rotWithShape="0" blurRad="50800" dist="25400" dir="8100000">
+            <a:outerShdw blurRad="50800" dist="25400" dir="8100000" algn="bl" rotWithShape="0">
               <a:srgbClr val="000000">
                 <a:alpha val="10000"/>
               </a:srgbClr>
             </a:outerShdw>
           </a:effectLst>
         </p:spPr>
+        <p:txBody>
+          <a:bodyPr/>
+          <a:lstStyle/>
+          <a:p>
+            <a:endParaRPr lang="en-US"/>
+          </a:p>
+        </p:txBody>
       </p:sp>
       <p:sp>
         <p:nvSpPr>
@@ -3592,7 +3380,7 @@
           <a:bodyPr wrap="square" rtlCol="0" anchor="ctr"/>
           <a:lstStyle/>
           <a:p>
-            <a:pPr algn="ctr" indent="0" marL="0">
+            <a:pPr marL="0" indent="0" algn="ctr">
               <a:buNone/>
             </a:pPr>
             <a:r>
@@ -3628,7 +3416,7 @@
           <a:bodyPr wrap="square" rtlCol="0" anchor="t"/>
           <a:lstStyle/>
           <a:p>
-            <a:pPr indent="0" marL="0">
+            <a:pPr marL="0" indent="0">
               <a:buNone/>
             </a:pPr>
             <a:r>
@@ -3665,13 +3453,20 @@
           </a:solidFill>
           <a:ln/>
           <a:effectLst>
-            <a:outerShdw sx="100000" sy="100000" kx="0" ky="0" algn="bl" rotWithShape="0" blurRad="50800" dist="25400" dir="8100000">
+            <a:outerShdw blurRad="50800" dist="25400" dir="8100000" algn="bl" rotWithShape="0">
               <a:srgbClr val="000000">
                 <a:alpha val="10000"/>
               </a:srgbClr>
             </a:outerShdw>
           </a:effectLst>
         </p:spPr>
+        <p:txBody>
+          <a:bodyPr/>
+          <a:lstStyle/>
+          <a:p>
+            <a:endParaRPr lang="en-US"/>
+          </a:p>
+        </p:txBody>
       </p:sp>
       <p:sp>
         <p:nvSpPr>
@@ -3694,7 +3489,7 @@
           <a:bodyPr wrap="square" rtlCol="0" anchor="ctr"/>
           <a:lstStyle/>
           <a:p>
-            <a:pPr algn="ctr" indent="0" marL="0">
+            <a:pPr marL="0" indent="0" algn="ctr">
               <a:buNone/>
             </a:pPr>
             <a:r>
@@ -3730,7 +3525,7 @@
           <a:bodyPr wrap="square" rtlCol="0" anchor="t"/>
           <a:lstStyle/>
           <a:p>
-            <a:pPr indent="0" marL="0">
+            <a:pPr marL="0" indent="0">
               <a:buNone/>
             </a:pPr>
             <a:r>
@@ -3764,6 +3559,7 @@
         <a:solidFill>
           <a:srgbClr val="004D98"/>
         </a:solidFill>
+        <a:effectLst/>
       </p:bgPr>
     </p:bg>
     <p:spTree>
@@ -3801,7 +3597,7 @@
           <a:bodyPr wrap="square" rtlCol="0" anchor="ctr"/>
           <a:lstStyle/>
           <a:p>
-            <a:pPr indent="0" marL="0">
+            <a:pPr marL="0" indent="0">
               <a:buNone/>
             </a:pPr>
             <a:r>
@@ -3840,7 +3636,7 @@
           <a:bodyPr wrap="square" rtlCol="0" anchor="b"/>
           <a:lstStyle/>
           <a:p>
-            <a:pPr algn="ctr" indent="0" marL="0">
+            <a:pPr marL="0" indent="0" algn="ctr">
               <a:buNone/>
             </a:pPr>
             <a:r>
@@ -3879,7 +3675,7 @@
           <a:bodyPr wrap="square" rtlCol="0" anchor="t"/>
           <a:lstStyle/>
           <a:p>
-            <a:pPr algn="ctr" indent="0" marL="0">
+            <a:pPr marL="0" indent="0" algn="ctr">
               <a:buNone/>
             </a:pPr>
             <a:r>
@@ -3896,7 +3692,7 @@
             <a:endParaRPr lang="en-US" sz="1300" dirty="0"/>
           </a:p>
           <a:p>
-            <a:pPr algn="ctr" indent="0" marL="0">
+            <a:pPr marL="0" indent="0" algn="ctr">
               <a:buNone/>
             </a:pPr>
             <a:r>
@@ -3935,7 +3731,7 @@
           <a:bodyPr wrap="square" rtlCol="0" anchor="b"/>
           <a:lstStyle/>
           <a:p>
-            <a:pPr algn="ctr" indent="0" marL="0">
+            <a:pPr marL="0" indent="0" algn="ctr">
               <a:buNone/>
             </a:pPr>
             <a:r>
@@ -3974,7 +3770,7 @@
           <a:bodyPr wrap="square" rtlCol="0" anchor="t"/>
           <a:lstStyle/>
           <a:p>
-            <a:pPr algn="ctr" indent="0" marL="0">
+            <a:pPr marL="0" indent="0" algn="ctr">
               <a:buNone/>
             </a:pPr>
             <a:r>
@@ -3991,7 +3787,7 @@
             <a:endParaRPr lang="en-US" sz="1300" dirty="0"/>
           </a:p>
           <a:p>
-            <a:pPr algn="ctr" indent="0" marL="0">
+            <a:pPr marL="0" indent="0" algn="ctr">
               <a:buNone/>
             </a:pPr>
             <a:r>
@@ -4030,7 +3826,7 @@
           <a:bodyPr wrap="square" rtlCol="0" anchor="b"/>
           <a:lstStyle/>
           <a:p>
-            <a:pPr algn="ctr" indent="0" marL="0">
+            <a:pPr marL="0" indent="0" algn="ctr">
               <a:buNone/>
             </a:pPr>
             <a:r>
@@ -4069,7 +3865,7 @@
           <a:bodyPr wrap="square" rtlCol="0" anchor="t"/>
           <a:lstStyle/>
           <a:p>
-            <a:pPr algn="ctr" indent="0" marL="0">
+            <a:pPr marL="0" indent="0" algn="ctr">
               <a:buNone/>
             </a:pPr>
             <a:r>
@@ -4086,7 +3882,7 @@
             <a:endParaRPr lang="en-US" sz="1300" dirty="0"/>
           </a:p>
           <a:p>
-            <a:pPr algn="ctr" indent="0" marL="0">
+            <a:pPr marL="0" indent="0" algn="ctr">
               <a:buNone/>
             </a:pPr>
             <a:r>
@@ -4125,7 +3921,7 @@
           <a:bodyPr wrap="square" rtlCol="0" anchor="b"/>
           <a:lstStyle/>
           <a:p>
-            <a:pPr algn="ctr" indent="0" marL="0">
+            <a:pPr marL="0" indent="0" algn="ctr">
               <a:buNone/>
             </a:pPr>
             <a:r>
@@ -4164,7 +3960,7 @@
           <a:bodyPr wrap="square" rtlCol="0" anchor="t"/>
           <a:lstStyle/>
           <a:p>
-            <a:pPr algn="ctr" indent="0" marL="0">
+            <a:pPr marL="0" indent="0" algn="ctr">
               <a:buNone/>
             </a:pPr>
             <a:r>
@@ -4181,7 +3977,7 @@
             <a:endParaRPr lang="en-US" sz="1300" dirty="0"/>
           </a:p>
           <a:p>
-            <a:pPr algn="ctr" indent="0" marL="0">
+            <a:pPr marL="0" indent="0" algn="ctr">
               <a:buNone/>
             </a:pPr>
             <a:r>
@@ -4218,6 +4014,13 @@
           </a:solidFill>
           <a:ln/>
         </p:spPr>
+        <p:txBody>
+          <a:bodyPr/>
+          <a:lstStyle/>
+          <a:p>
+            <a:endParaRPr lang="en-US"/>
+          </a:p>
+        </p:txBody>
       </p:sp>
       <p:sp>
         <p:nvSpPr>
@@ -4240,7 +4043,7 @@
           <a:bodyPr wrap="square" rtlCol="0" anchor="ctr"/>
           <a:lstStyle/>
           <a:p>
-            <a:pPr indent="0" marL="0">
+            <a:pPr marL="0" indent="0">
               <a:buNone/>
             </a:pPr>
             <a:r>
@@ -4276,7 +4079,7 @@
           <a:bodyPr wrap="square" rtlCol="0" anchor="t"/>
           <a:lstStyle/>
           <a:p>
-            <a:pPr indent="0" marL="0">
+            <a:pPr marL="0" indent="0">
               <a:buNone/>
             </a:pPr>
             <a:r>
@@ -4290,7 +4093,7 @@
             <a:endParaRPr lang="en-US" sz="1600" dirty="0"/>
           </a:p>
           <a:p>
-            <a:pPr indent="0" marL="0">
+            <a:pPr marL="0" indent="0">
               <a:buNone/>
             </a:pPr>
             <a:r>
@@ -4326,7 +4129,7 @@
           <a:bodyPr wrap="square" rtlCol="0" anchor="t"/>
           <a:lstStyle/>
           <a:p>
-            <a:pPr indent="0" marL="0">
+            <a:pPr marL="0" indent="0">
               <a:buNone/>
             </a:pPr>
             <a:r>
@@ -4340,7 +4143,7 @@
             <a:endParaRPr lang="en-US" sz="1600" dirty="0"/>
           </a:p>
           <a:p>
-            <a:pPr indent="0" marL="0">
+            <a:pPr marL="0" indent="0">
               <a:buNone/>
             </a:pPr>
             <a:r>
@@ -4376,7 +4179,7 @@
           <a:bodyPr wrap="square" rtlCol="0" anchor="t"/>
           <a:lstStyle/>
           <a:p>
-            <a:pPr indent="0" marL="0">
+            <a:pPr marL="0" indent="0">
               <a:buNone/>
             </a:pPr>
             <a:r>
@@ -4390,7 +4193,7 @@
             <a:endParaRPr lang="en-US" sz="1600" dirty="0"/>
           </a:p>
           <a:p>
-            <a:pPr indent="0" marL="0">
+            <a:pPr marL="0" indent="0">
               <a:buNone/>
             </a:pPr>
             <a:r>
@@ -4421,6 +4224,7 @@
         <a:solidFill>
           <a:srgbClr val="F8FAFC"/>
         </a:solidFill>
+        <a:effectLst/>
       </p:bgPr>
     </p:bg>
     <p:spTree>
@@ -4458,7 +4262,7 @@
           <a:bodyPr wrap="square" rtlCol="0" anchor="ctr"/>
           <a:lstStyle/>
           <a:p>
-            <a:pPr indent="0" marL="0">
+            <a:pPr marL="0" indent="0">
               <a:buNone/>
             </a:pPr>
             <a:r>
@@ -4497,7 +4301,7 @@
           <a:bodyPr wrap="square" rtlCol="0" anchor="ctr"/>
           <a:lstStyle/>
           <a:p>
-            <a:pPr indent="0" marL="0">
+            <a:pPr marL="0" indent="0">
               <a:buNone/>
             </a:pPr>
             <a:r>
@@ -4517,14 +4321,14 @@
       </p:sp>
       <p:pic>
         <p:nvPicPr>
-          <p:cNvPr id="4" name="Image 0" descr="/home/claude/figures/risk_timeline_arsenal.png">    </p:cNvPr>
+          <p:cNvPr id="4" name="Image 0" descr="/home/claude/figures/risk_timeline_arsenal.png"/>
           <p:cNvPicPr>
             <a:picLocks noChangeAspect="1"/>
           </p:cNvPicPr>
           <p:nvPr/>
         </p:nvPicPr>
         <p:blipFill>
-          <a:blip r:embed="rId1"/>
+          <a:blip r:embed="rId3"/>
           <a:stretch>
             <a:fillRect/>
           </a:stretch>
@@ -4560,7 +4364,7 @@
           <a:bodyPr wrap="square" rtlCol="0" anchor="ctr"/>
           <a:lstStyle/>
           <a:p>
-            <a:pPr indent="0" marL="0">
+            <a:pPr marL="0" indent="0">
               <a:buNone/>
             </a:pPr>
             <a:r>
@@ -4599,7 +4403,7 @@
           <a:bodyPr wrap="square" rtlCol="0" anchor="ctr"/>
           <a:lstStyle/>
           <a:p>
-            <a:pPr indent="0" marL="0">
+            <a:pPr marL="0" indent="0">
               <a:buNone/>
             </a:pPr>
             <a:r>
@@ -4633,6 +4437,7 @@
         <a:solidFill>
           <a:srgbClr val="F8FAFC"/>
         </a:solidFill>
+        <a:effectLst/>
       </p:bgPr>
     </p:bg>
     <p:spTree>
@@ -4670,7 +4475,7 @@
           <a:bodyPr wrap="square" rtlCol="0" anchor="ctr"/>
           <a:lstStyle/>
           <a:p>
-            <a:pPr indent="0" marL="0">
+            <a:pPr marL="0" indent="0">
               <a:buNone/>
             </a:pPr>
             <a:r>
@@ -4709,7 +4514,7 @@
           <a:bodyPr wrap="square" rtlCol="0" anchor="ctr"/>
           <a:lstStyle/>
           <a:p>
-            <a:pPr indent="0" marL="0">
+            <a:pPr marL="0" indent="0">
               <a:buNone/>
             </a:pPr>
             <a:r>
@@ -4746,13 +4551,20 @@
           </a:solidFill>
           <a:ln/>
           <a:effectLst>
-            <a:outerShdw sx="100000" sy="100000" kx="0" ky="0" algn="bl" rotWithShape="0" blurRad="50800" dist="25400" dir="8100000">
+            <a:outerShdw blurRad="50800" dist="25400" dir="8100000" algn="bl" rotWithShape="0">
               <a:srgbClr val="000000">
                 <a:alpha val="10000"/>
               </a:srgbClr>
             </a:outerShdw>
           </a:effectLst>
         </p:spPr>
+        <p:txBody>
+          <a:bodyPr/>
+          <a:lstStyle/>
+          <a:p>
+            <a:endParaRPr lang="en-US"/>
+          </a:p>
+        </p:txBody>
       </p:sp>
       <p:sp>
         <p:nvSpPr>
@@ -4773,6 +4585,13 @@
           </a:solidFill>
           <a:ln/>
         </p:spPr>
+        <p:txBody>
+          <a:bodyPr/>
+          <a:lstStyle/>
+          <a:p>
+            <a:endParaRPr lang="en-US"/>
+          </a:p>
+        </p:txBody>
       </p:sp>
       <p:sp>
         <p:nvSpPr>
@@ -4795,7 +4614,7 @@
           <a:bodyPr wrap="square" lIns="0" tIns="0" rIns="0" bIns="0" rtlCol="0" anchor="ctr"/>
           <a:lstStyle/>
           <a:p>
-            <a:pPr indent="0" marL="0">
+            <a:pPr marL="0" indent="0">
               <a:buNone/>
             </a:pPr>
             <a:r>
@@ -4831,7 +4650,7 @@
           <a:bodyPr wrap="square" lIns="0" tIns="0" rIns="0" bIns="0" rtlCol="0" anchor="ctr"/>
           <a:lstStyle/>
           <a:p>
-            <a:pPr algn="r" indent="0" marL="0">
+            <a:pPr marL="0" indent="0" algn="r">
               <a:buNone/>
             </a:pPr>
             <a:r>
@@ -4867,7 +4686,7 @@
           <a:bodyPr wrap="square" rtlCol="0" anchor="ctr"/>
           <a:lstStyle/>
           <a:p>
-            <a:pPr indent="0" marL="0">
+            <a:pPr marL="0" indent="0">
               <a:buNone/>
             </a:pPr>
             <a:r>
@@ -4904,13 +4723,20 @@
           </a:solidFill>
           <a:ln/>
           <a:effectLst>
-            <a:outerShdw sx="100000" sy="100000" kx="0" ky="0" algn="bl" rotWithShape="0" blurRad="50800" dist="25400" dir="8100000">
+            <a:outerShdw blurRad="50800" dist="25400" dir="8100000" algn="bl" rotWithShape="0">
               <a:srgbClr val="000000">
                 <a:alpha val="10000"/>
               </a:srgbClr>
             </a:outerShdw>
           </a:effectLst>
         </p:spPr>
+        <p:txBody>
+          <a:bodyPr/>
+          <a:lstStyle/>
+          <a:p>
+            <a:endParaRPr lang="en-US"/>
+          </a:p>
+        </p:txBody>
       </p:sp>
       <p:sp>
         <p:nvSpPr>
@@ -4931,6 +4757,13 @@
           </a:solidFill>
           <a:ln/>
         </p:spPr>
+        <p:txBody>
+          <a:bodyPr/>
+          <a:lstStyle/>
+          <a:p>
+            <a:endParaRPr lang="en-US"/>
+          </a:p>
+        </p:txBody>
       </p:sp>
       <p:sp>
         <p:nvSpPr>
@@ -4953,7 +4786,7 @@
           <a:bodyPr wrap="square" lIns="0" tIns="0" rIns="0" bIns="0" rtlCol="0" anchor="ctr"/>
           <a:lstStyle/>
           <a:p>
-            <a:pPr indent="0" marL="0">
+            <a:pPr marL="0" indent="0">
               <a:buNone/>
             </a:pPr>
             <a:r>
@@ -4989,7 +4822,7 @@
           <a:bodyPr wrap="square" lIns="0" tIns="0" rIns="0" bIns="0" rtlCol="0" anchor="ctr"/>
           <a:lstStyle/>
           <a:p>
-            <a:pPr algn="r" indent="0" marL="0">
+            <a:pPr marL="0" indent="0" algn="r">
               <a:buNone/>
             </a:pPr>
             <a:r>
@@ -5025,7 +4858,7 @@
           <a:bodyPr wrap="square" rtlCol="0" anchor="ctr"/>
           <a:lstStyle/>
           <a:p>
-            <a:pPr indent="0" marL="0">
+            <a:pPr marL="0" indent="0">
               <a:buNone/>
             </a:pPr>
             <a:r>
@@ -5062,13 +4895,20 @@
           </a:solidFill>
           <a:ln/>
           <a:effectLst>
-            <a:outerShdw sx="100000" sy="100000" kx="0" ky="0" algn="bl" rotWithShape="0" blurRad="50800" dist="25400" dir="8100000">
+            <a:outerShdw blurRad="50800" dist="25400" dir="8100000" algn="bl" rotWithShape="0">
               <a:srgbClr val="000000">
                 <a:alpha val="10000"/>
               </a:srgbClr>
             </a:outerShdw>
           </a:effectLst>
         </p:spPr>
+        <p:txBody>
+          <a:bodyPr/>
+          <a:lstStyle/>
+          <a:p>
+            <a:endParaRPr lang="en-US"/>
+          </a:p>
+        </p:txBody>
       </p:sp>
       <p:sp>
         <p:nvSpPr>
@@ -5089,6 +4929,13 @@
           </a:solidFill>
           <a:ln/>
         </p:spPr>
+        <p:txBody>
+          <a:bodyPr/>
+          <a:lstStyle/>
+          <a:p>
+            <a:endParaRPr lang="en-US"/>
+          </a:p>
+        </p:txBody>
       </p:sp>
       <p:sp>
         <p:nvSpPr>
@@ -5111,7 +4958,7 @@
           <a:bodyPr wrap="square" lIns="0" tIns="0" rIns="0" bIns="0" rtlCol="0" anchor="ctr"/>
           <a:lstStyle/>
           <a:p>
-            <a:pPr indent="0" marL="0">
+            <a:pPr marL="0" indent="0">
               <a:buNone/>
             </a:pPr>
             <a:r>
@@ -5147,7 +4994,7 @@
           <a:bodyPr wrap="square" lIns="0" tIns="0" rIns="0" bIns="0" rtlCol="0" anchor="ctr"/>
           <a:lstStyle/>
           <a:p>
-            <a:pPr algn="r" indent="0" marL="0">
+            <a:pPr marL="0" indent="0" algn="r">
               <a:buNone/>
             </a:pPr>
             <a:r>
@@ -5183,7 +5030,7 @@
           <a:bodyPr wrap="square" rtlCol="0" anchor="ctr"/>
           <a:lstStyle/>
           <a:p>
-            <a:pPr indent="0" marL="0">
+            <a:pPr marL="0" indent="0">
               <a:buNone/>
             </a:pPr>
             <a:r>
@@ -5217,6 +5064,7 @@
         <a:solidFill>
           <a:srgbClr val="F8FAFC"/>
         </a:solidFill>
+        <a:effectLst/>
       </p:bgPr>
     </p:bg>
     <p:spTree>
@@ -5254,7 +5102,7 @@
           <a:bodyPr wrap="square" rtlCol="0" anchor="ctr"/>
           <a:lstStyle/>
           <a:p>
-            <a:pPr indent="0" marL="0">
+            <a:pPr marL="0" indent="0">
               <a:buNone/>
             </a:pPr>
             <a:r>
@@ -5293,7 +5141,7 @@
           <a:bodyPr wrap="square" rtlCol="0" anchor="t"/>
           <a:lstStyle/>
           <a:p>
-            <a:pPr indent="0" marL="0">
+            <a:pPr marL="0" indent="0">
               <a:buNone/>
             </a:pPr>
             <a:r>
@@ -5307,7 +5155,7 @@
             <a:endParaRPr lang="en-US" sz="1600" dirty="0"/>
           </a:p>
           <a:p>
-            <a:pPr indent="0" marL="0">
+            <a:pPr marL="0" indent="0">
               <a:buNone/>
             </a:pPr>
             <a:r>
@@ -5322,7 +5170,7 @@
             <a:endParaRPr lang="en-US" sz="1600" dirty="0"/>
           </a:p>
           <a:p>
-            <a:pPr indent="0" marL="0">
+            <a:pPr marL="0" indent="0">
               <a:buNone/>
             </a:pPr>
             <a:r>
@@ -5336,7 +5184,7 @@
             <a:endParaRPr lang="en-US" sz="1600" dirty="0"/>
           </a:p>
           <a:p>
-            <a:pPr indent="0" marL="0">
+            <a:pPr marL="0" indent="0">
               <a:buNone/>
             </a:pPr>
             <a:r>
@@ -5351,7 +5199,7 @@
             <a:endParaRPr lang="en-US" sz="1600" dirty="0"/>
           </a:p>
           <a:p>
-            <a:pPr indent="0" marL="0">
+            <a:pPr marL="0" indent="0">
               <a:buNone/>
             </a:pPr>
             <a:r>
@@ -5365,7 +5213,7 @@
             <a:endParaRPr lang="en-US" sz="1600" dirty="0"/>
           </a:p>
           <a:p>
-            <a:pPr indent="0" marL="0">
+            <a:pPr marL="0" indent="0">
               <a:buNone/>
             </a:pPr>
             <a:r>
@@ -5379,7 +5227,7 @@
             <a:endParaRPr lang="en-US" sz="1600" dirty="0"/>
           </a:p>
           <a:p>
-            <a:pPr indent="0" marL="0">
+            <a:pPr marL="0" indent="0">
               <a:buNone/>
             </a:pPr>
             <a:r>
@@ -5393,7 +5241,7 @@
             <a:endParaRPr lang="en-US" sz="1600" dirty="0"/>
           </a:p>
           <a:p>
-            <a:pPr indent="0" marL="0">
+            <a:pPr marL="0" indent="0">
               <a:buNone/>
             </a:pPr>
             <a:r>
@@ -5407,7 +5255,7 @@
             <a:endParaRPr lang="en-US" sz="1600" dirty="0"/>
           </a:p>
           <a:p>
-            <a:pPr indent="0" marL="0">
+            <a:pPr marL="0" indent="0">
               <a:buNone/>
             </a:pPr>
             <a:r>
@@ -5422,7 +5270,7 @@
             <a:endParaRPr lang="en-US" sz="1600" dirty="0"/>
           </a:p>
           <a:p>
-            <a:pPr indent="0" marL="0">
+            <a:pPr marL="0" indent="0">
               <a:buNone/>
             </a:pPr>
             <a:r>
@@ -5436,7 +5284,7 @@
             <a:endParaRPr lang="en-US" sz="1600" dirty="0"/>
           </a:p>
           <a:p>
-            <a:pPr indent="0" marL="0">
+            <a:pPr marL="0" indent="0">
               <a:buNone/>
             </a:pPr>
             <a:r>
@@ -5450,7 +5298,7 @@
             <a:endParaRPr lang="en-US" sz="1600" dirty="0"/>
           </a:p>
           <a:p>
-            <a:pPr indent="0" marL="0">
+            <a:pPr marL="0" indent="0">
               <a:buNone/>
             </a:pPr>
             <a:r>
@@ -5464,7 +5312,7 @@
             <a:endParaRPr lang="en-US" sz="1600" dirty="0"/>
           </a:p>
           <a:p>
-            <a:pPr indent="0" marL="0">
+            <a:pPr marL="0" indent="0">
               <a:buNone/>
             </a:pPr>
             <a:r>
@@ -5478,7 +5326,7 @@
             <a:endParaRPr lang="en-US" sz="1600" dirty="0"/>
           </a:p>
           <a:p>
-            <a:pPr indent="0" marL="0">
+            <a:pPr marL="0" indent="0">
               <a:buNone/>
             </a:pPr>
             <a:r>
@@ -5512,13 +5360,20 @@
           </a:solidFill>
           <a:ln/>
           <a:effectLst>
-            <a:outerShdw sx="100000" sy="100000" kx="0" ky="0" algn="bl" rotWithShape="0" blurRad="50800" dist="25400" dir="8100000">
+            <a:outerShdw blurRad="50800" dist="25400" dir="8100000" algn="bl" rotWithShape="0">
               <a:srgbClr val="000000">
                 <a:alpha val="10000"/>
               </a:srgbClr>
             </a:outerShdw>
           </a:effectLst>
         </p:spPr>
+        <p:txBody>
+          <a:bodyPr/>
+          <a:lstStyle/>
+          <a:p>
+            <a:endParaRPr lang="en-US"/>
+          </a:p>
+        </p:txBody>
       </p:sp>
       <p:sp>
         <p:nvSpPr>
@@ -5541,7 +5396,7 @@
           <a:bodyPr wrap="square" rtlCol="0" anchor="ctr"/>
           <a:lstStyle/>
           <a:p>
-            <a:pPr algn="ctr" indent="0" marL="0">
+            <a:pPr marL="0" indent="0" algn="ctr">
               <a:buNone/>
             </a:pPr>
             <a:r>
@@ -5577,7 +5432,7 @@
           <a:bodyPr wrap="square" rtlCol="0" anchor="ctr"/>
           <a:lstStyle/>
           <a:p>
-            <a:pPr indent="0" marL="0">
+            <a:pPr marL="0" indent="0">
               <a:buNone/>
             </a:pPr>
             <a:r>
@@ -5613,7 +5468,7 @@
           <a:bodyPr wrap="square" rtlCol="0" anchor="t"/>
           <a:lstStyle/>
           <a:p>
-            <a:pPr indent="0" marL="0">
+            <a:pPr marL="0" indent="0">
               <a:buNone/>
             </a:pPr>
             <a:r>
@@ -5647,6 +5502,7 @@
         <a:solidFill>
           <a:srgbClr val="F8FAFC"/>
         </a:solidFill>
+        <a:effectLst/>
       </p:bgPr>
     </p:bg>
     <p:spTree>
@@ -5684,7 +5540,7 @@
           <a:bodyPr wrap="square" rtlCol="0" anchor="ctr"/>
           <a:lstStyle/>
           <a:p>
-            <a:pPr indent="0" marL="0">
+            <a:pPr marL="0" indent="0">
               <a:buNone/>
             </a:pPr>
             <a:r>
@@ -5723,7 +5579,7 @@
           <a:bodyPr wrap="square" rtlCol="0" anchor="ctr"/>
           <a:lstStyle/>
           <a:p>
-            <a:pPr indent="0" marL="0">
+            <a:pPr marL="0" indent="0">
               <a:buNone/>
             </a:pPr>
             <a:r>
@@ -5760,6 +5616,13 @@
           </a:solidFill>
           <a:ln/>
         </p:spPr>
+        <p:txBody>
+          <a:bodyPr/>
+          <a:lstStyle/>
+          <a:p>
+            <a:endParaRPr lang="en-US"/>
+          </a:p>
+        </p:txBody>
       </p:sp>
       <p:sp>
         <p:nvSpPr>
@@ -5782,7 +5645,7 @@
           <a:bodyPr wrap="square" rtlCol="0" anchor="ctr"/>
           <a:lstStyle/>
           <a:p>
-            <a:pPr indent="0" marL="0">
+            <a:pPr marL="0" indent="0">
               <a:buNone/>
             </a:pPr>
             <a:r>
@@ -5818,7 +5681,7 @@
           <a:bodyPr wrap="square" rtlCol="0" anchor="ctr"/>
           <a:lstStyle/>
           <a:p>
-            <a:pPr indent="0" marL="0">
+            <a:pPr marL="0" indent="0">
               <a:buNone/>
             </a:pPr>
             <a:r>
@@ -5855,6 +5718,13 @@
           </a:solidFill>
           <a:ln/>
         </p:spPr>
+        <p:txBody>
+          <a:bodyPr/>
+          <a:lstStyle/>
+          <a:p>
+            <a:endParaRPr lang="en-US"/>
+          </a:p>
+        </p:txBody>
       </p:sp>
       <p:sp>
         <p:nvSpPr>
@@ -5877,7 +5747,7 @@
           <a:bodyPr wrap="square" rtlCol="0" anchor="ctr"/>
           <a:lstStyle/>
           <a:p>
-            <a:pPr indent="0" marL="0">
+            <a:pPr marL="0" indent="0">
               <a:buNone/>
             </a:pPr>
             <a:r>
@@ -5913,7 +5783,7 @@
           <a:bodyPr wrap="square" rtlCol="0" anchor="ctr"/>
           <a:lstStyle/>
           <a:p>
-            <a:pPr indent="0" marL="0">
+            <a:pPr marL="0" indent="0">
               <a:buNone/>
             </a:pPr>
             <a:r>
@@ -5950,6 +5820,13 @@
           </a:solidFill>
           <a:ln/>
         </p:spPr>
+        <p:txBody>
+          <a:bodyPr/>
+          <a:lstStyle/>
+          <a:p>
+            <a:endParaRPr lang="en-US"/>
+          </a:p>
+        </p:txBody>
       </p:sp>
       <p:sp>
         <p:nvSpPr>
@@ -5972,7 +5849,7 @@
           <a:bodyPr wrap="square" rtlCol="0" anchor="ctr"/>
           <a:lstStyle/>
           <a:p>
-            <a:pPr indent="0" marL="0">
+            <a:pPr marL="0" indent="0">
               <a:buNone/>
             </a:pPr>
             <a:r>
@@ -6008,7 +5885,7 @@
           <a:bodyPr wrap="square" rtlCol="0" anchor="ctr"/>
           <a:lstStyle/>
           <a:p>
-            <a:pPr indent="0" marL="0">
+            <a:pPr marL="0" indent="0">
               <a:buNone/>
             </a:pPr>
             <a:r>
@@ -6045,6 +5922,13 @@
           </a:solidFill>
           <a:ln/>
         </p:spPr>
+        <p:txBody>
+          <a:bodyPr/>
+          <a:lstStyle/>
+          <a:p>
+            <a:endParaRPr lang="en-US"/>
+          </a:p>
+        </p:txBody>
       </p:sp>
       <p:sp>
         <p:nvSpPr>
@@ -6067,7 +5951,7 @@
           <a:bodyPr wrap="square" rtlCol="0" anchor="ctr"/>
           <a:lstStyle/>
           <a:p>
-            <a:pPr indent="0" marL="0">
+            <a:pPr marL="0" indent="0">
               <a:buNone/>
             </a:pPr>
             <a:r>
@@ -6103,7 +5987,7 @@
           <a:bodyPr wrap="square" rtlCol="0" anchor="ctr"/>
           <a:lstStyle/>
           <a:p>
-            <a:pPr indent="0" marL="0">
+            <a:pPr marL="0" indent="0">
               <a:buNone/>
             </a:pPr>
             <a:r>
@@ -6140,6 +6024,13 @@
           </a:solidFill>
           <a:ln/>
         </p:spPr>
+        <p:txBody>
+          <a:bodyPr/>
+          <a:lstStyle/>
+          <a:p>
+            <a:endParaRPr lang="en-US"/>
+          </a:p>
+        </p:txBody>
       </p:sp>
       <p:sp>
         <p:nvSpPr>
@@ -6162,7 +6053,7 @@
           <a:bodyPr wrap="square" rtlCol="0" anchor="ctr"/>
           <a:lstStyle/>
           <a:p>
-            <a:pPr indent="0" marL="0">
+            <a:pPr marL="0" indent="0">
               <a:buNone/>
             </a:pPr>
             <a:r>
@@ -6198,7 +6089,7 @@
           <a:bodyPr wrap="square" rtlCol="0" anchor="ctr"/>
           <a:lstStyle/>
           <a:p>
-            <a:pPr indent="0" marL="0">
+            <a:pPr marL="0" indent="0">
               <a:buNone/>
             </a:pPr>
             <a:r>
@@ -6237,7 +6128,7 @@
           <a:bodyPr wrap="square" rtlCol="0" anchor="ctr"/>
           <a:lstStyle/>
           <a:p>
-            <a:pPr indent="0" marL="0">
+            <a:pPr marL="0" indent="0">
               <a:buNone/>
             </a:pPr>
             <a:r>
@@ -6556,4 +6447,319 @@
     </a:ext>
   </a:extLst>
 </a:theme>
+</file>
+
+<file path=ppt/theme/theme2.xml><?xml version="1.0" encoding="utf-8"?>
+<a:theme xmlns:a="http://schemas.openxmlformats.org/drawingml/2006/main" name="Office Theme">
+  <a:themeElements>
+    <a:clrScheme name="Office">
+      <a:dk1>
+        <a:sysClr val="windowText" lastClr="000000"/>
+      </a:dk1>
+      <a:lt1>
+        <a:sysClr val="window" lastClr="FFFFFF"/>
+      </a:lt1>
+      <a:dk2>
+        <a:srgbClr val="0E2841"/>
+      </a:dk2>
+      <a:lt2>
+        <a:srgbClr val="E8E8E8"/>
+      </a:lt2>
+      <a:accent1>
+        <a:srgbClr val="156082"/>
+      </a:accent1>
+      <a:accent2>
+        <a:srgbClr val="E97132"/>
+      </a:accent2>
+      <a:accent3>
+        <a:srgbClr val="196B24"/>
+      </a:accent3>
+      <a:accent4>
+        <a:srgbClr val="0F9ED5"/>
+      </a:accent4>
+      <a:accent5>
+        <a:srgbClr val="A02B93"/>
+      </a:accent5>
+      <a:accent6>
+        <a:srgbClr val="4EA72E"/>
+      </a:accent6>
+      <a:hlink>
+        <a:srgbClr val="467886"/>
+      </a:hlink>
+      <a:folHlink>
+        <a:srgbClr val="96607D"/>
+      </a:folHlink>
+    </a:clrScheme>
+    <a:fontScheme name="Office">
+      <a:majorFont>
+        <a:latin typeface="Aptos Display" panose="02110004020202020204"/>
+        <a:ea typeface=""/>
+        <a:cs typeface=""/>
+        <a:font script="Jpan" typeface="游ゴシック Light"/>
+        <a:font script="Hang" typeface="맑은 고딕"/>
+        <a:font script="Hans" typeface="等线 Light"/>
+        <a:font script="Hant" typeface="新細明體"/>
+        <a:font script="Arab" typeface="Times New Roman"/>
+        <a:font script="Hebr" typeface="Times New Roman"/>
+        <a:font script="Thai" typeface="Angsana New"/>
+        <a:font script="Ethi" typeface="Nyala"/>
+        <a:font script="Beng" typeface="Vrinda"/>
+        <a:font script="Gujr" typeface="Shruti"/>
+        <a:font script="Khmr" typeface="MoolBoran"/>
+        <a:font script="Knda" typeface="Tunga"/>
+        <a:font script="Guru" typeface="Raavi"/>
+        <a:font script="Cans" typeface="Euphemia"/>
+        <a:font script="Cher" typeface="Plantagenet Cherokee"/>
+        <a:font script="Yiii" typeface="Microsoft Yi Baiti"/>
+        <a:font script="Tibt" typeface="Microsoft Himalaya"/>
+        <a:font script="Thaa" typeface="MV Boli"/>
+        <a:font script="Deva" typeface="Mangal"/>
+        <a:font script="Telu" typeface="Gautami"/>
+        <a:font script="Taml" typeface="Latha"/>
+        <a:font script="Syrc" typeface="Estrangelo Edessa"/>
+        <a:font script="Orya" typeface="Kalinga"/>
+        <a:font script="Mlym" typeface="Kartika"/>
+        <a:font script="Laoo" typeface="DokChampa"/>
+        <a:font script="Sinh" typeface="Iskoola Pota"/>
+        <a:font script="Mong" typeface="Mongolian Baiti"/>
+        <a:font script="Viet" typeface="Times New Roman"/>
+        <a:font script="Uigh" typeface="Microsoft Uighur"/>
+        <a:font script="Geor" typeface="Sylfaen"/>
+        <a:font script="Armn" typeface="Arial"/>
+        <a:font script="Bugi" typeface="Leelawadee UI"/>
+        <a:font script="Bopo" typeface="Microsoft JhengHei"/>
+        <a:font script="Java" typeface="Javanese Text"/>
+        <a:font script="Lisu" typeface="Segoe UI"/>
+        <a:font script="Mymr" typeface="Myanmar Text"/>
+        <a:font script="Nkoo" typeface="Ebrima"/>
+        <a:font script="Olck" typeface="Nirmala UI"/>
+        <a:font script="Osma" typeface="Ebrima"/>
+        <a:font script="Phag" typeface="Phagspa"/>
+        <a:font script="Syrn" typeface="Estrangelo Edessa"/>
+        <a:font script="Syrj" typeface="Estrangelo Edessa"/>
+        <a:font script="Syre" typeface="Estrangelo Edessa"/>
+        <a:font script="Sora" typeface="Nirmala UI"/>
+        <a:font script="Tale" typeface="Microsoft Tai Le"/>
+        <a:font script="Talu" typeface="Microsoft New Tai Lue"/>
+        <a:font script="Tfng" typeface="Ebrima"/>
+      </a:majorFont>
+      <a:minorFont>
+        <a:latin typeface="Aptos" panose="02110004020202020204"/>
+        <a:ea typeface=""/>
+        <a:cs typeface=""/>
+        <a:font script="Jpan" typeface="游ゴシック"/>
+        <a:font script="Hang" typeface="맑은 고딕"/>
+        <a:font script="Hans" typeface="等线"/>
+        <a:font script="Hant" typeface="新細明體"/>
+        <a:font script="Arab" typeface="Arial"/>
+        <a:font script="Hebr" typeface="Arial"/>
+        <a:font script="Thai" typeface="Cordia New"/>
+        <a:font script="Ethi" typeface="Nyala"/>
+        <a:font script="Beng" typeface="Vrinda"/>
+        <a:font script="Gujr" typeface="Shruti"/>
+        <a:font script="Khmr" typeface="DaunPenh"/>
+        <a:font script="Knda" typeface="Tunga"/>
+        <a:font script="Guru" typeface="Raavi"/>
+        <a:font script="Cans" typeface="Euphemia"/>
+        <a:font script="Cher" typeface="Plantagenet Cherokee"/>
+        <a:font script="Yiii" typeface="Microsoft Yi Baiti"/>
+        <a:font script="Tibt" typeface="Microsoft Himalaya"/>
+        <a:font script="Thaa" typeface="MV Boli"/>
+        <a:font script="Deva" typeface="Mangal"/>
+        <a:font script="Telu" typeface="Gautami"/>
+        <a:font script="Taml" typeface="Latha"/>
+        <a:font script="Syrc" typeface="Estrangelo Edessa"/>
+        <a:font script="Orya" typeface="Kalinga"/>
+        <a:font script="Mlym" typeface="Kartika"/>
+        <a:font script="Laoo" typeface="DokChampa"/>
+        <a:font script="Sinh" typeface="Iskoola Pota"/>
+        <a:font script="Mong" typeface="Mongolian Baiti"/>
+        <a:font script="Viet" typeface="Arial"/>
+        <a:font script="Uigh" typeface="Microsoft Uighur"/>
+        <a:font script="Geor" typeface="Sylfaen"/>
+        <a:font script="Armn" typeface="Arial"/>
+        <a:font script="Bugi" typeface="Leelawadee UI"/>
+        <a:font script="Bopo" typeface="Microsoft JhengHei"/>
+        <a:font script="Java" typeface="Javanese Text"/>
+        <a:font script="Lisu" typeface="Segoe UI"/>
+        <a:font script="Mymr" typeface="Myanmar Text"/>
+        <a:font script="Nkoo" typeface="Ebrima"/>
+        <a:font script="Olck" typeface="Nirmala UI"/>
+        <a:font script="Osma" typeface="Ebrima"/>
+        <a:font script="Phag" typeface="Phagspa"/>
+        <a:font script="Syrn" typeface="Estrangelo Edessa"/>
+        <a:font script="Syrj" typeface="Estrangelo Edessa"/>
+        <a:font script="Syre" typeface="Estrangelo Edessa"/>
+        <a:font script="Sora" typeface="Nirmala UI"/>
+        <a:font script="Tale" typeface="Microsoft Tai Le"/>
+        <a:font script="Talu" typeface="Microsoft New Tai Lue"/>
+        <a:font script="Tfng" typeface="Ebrima"/>
+      </a:minorFont>
+    </a:fontScheme>
+    <a:fmtScheme name="Office">
+      <a:fillStyleLst>
+        <a:solidFill>
+          <a:schemeClr val="phClr"/>
+        </a:solidFill>
+        <a:gradFill rotWithShape="1">
+          <a:gsLst>
+            <a:gs pos="0">
+              <a:schemeClr val="phClr">
+                <a:lumMod val="110000"/>
+                <a:satMod val="105000"/>
+                <a:tint val="67000"/>
+              </a:schemeClr>
+            </a:gs>
+            <a:gs pos="50000">
+              <a:schemeClr val="phClr">
+                <a:lumMod val="105000"/>
+                <a:satMod val="103000"/>
+                <a:tint val="73000"/>
+              </a:schemeClr>
+            </a:gs>
+            <a:gs pos="100000">
+              <a:schemeClr val="phClr">
+                <a:lumMod val="105000"/>
+                <a:satMod val="109000"/>
+                <a:tint val="81000"/>
+              </a:schemeClr>
+            </a:gs>
+          </a:gsLst>
+          <a:lin ang="5400000" scaled="0"/>
+        </a:gradFill>
+        <a:gradFill rotWithShape="1">
+          <a:gsLst>
+            <a:gs pos="0">
+              <a:schemeClr val="phClr">
+                <a:satMod val="103000"/>
+                <a:lumMod val="102000"/>
+                <a:tint val="94000"/>
+              </a:schemeClr>
+            </a:gs>
+            <a:gs pos="50000">
+              <a:schemeClr val="phClr">
+                <a:satMod val="110000"/>
+                <a:lumMod val="100000"/>
+                <a:shade val="100000"/>
+              </a:schemeClr>
+            </a:gs>
+            <a:gs pos="100000">
+              <a:schemeClr val="phClr">
+                <a:lumMod val="99000"/>
+                <a:satMod val="120000"/>
+                <a:shade val="78000"/>
+              </a:schemeClr>
+            </a:gs>
+          </a:gsLst>
+          <a:lin ang="5400000" scaled="0"/>
+        </a:gradFill>
+      </a:fillStyleLst>
+      <a:lnStyleLst>
+        <a:ln w="12700" cap="flat" cmpd="sng" algn="ctr">
+          <a:solidFill>
+            <a:schemeClr val="phClr"/>
+          </a:solidFill>
+          <a:prstDash val="solid"/>
+          <a:miter lim="800000"/>
+        </a:ln>
+        <a:ln w="19050" cap="flat" cmpd="sng" algn="ctr">
+          <a:solidFill>
+            <a:schemeClr val="phClr"/>
+          </a:solidFill>
+          <a:prstDash val="solid"/>
+          <a:miter lim="800000"/>
+        </a:ln>
+        <a:ln w="25400" cap="flat" cmpd="sng" algn="ctr">
+          <a:solidFill>
+            <a:schemeClr val="phClr"/>
+          </a:solidFill>
+          <a:prstDash val="solid"/>
+          <a:miter lim="800000"/>
+        </a:ln>
+      </a:lnStyleLst>
+      <a:effectStyleLst>
+        <a:effectStyle>
+          <a:effectLst/>
+        </a:effectStyle>
+        <a:effectStyle>
+          <a:effectLst/>
+        </a:effectStyle>
+        <a:effectStyle>
+          <a:effectLst>
+            <a:outerShdw blurRad="57150" dist="19050" dir="5400000" algn="ctr" rotWithShape="0">
+              <a:srgbClr val="000000">
+                <a:alpha val="63000"/>
+              </a:srgbClr>
+            </a:outerShdw>
+          </a:effectLst>
+        </a:effectStyle>
+      </a:effectStyleLst>
+      <a:bgFillStyleLst>
+        <a:solidFill>
+          <a:schemeClr val="phClr"/>
+        </a:solidFill>
+        <a:solidFill>
+          <a:schemeClr val="phClr">
+            <a:tint val="95000"/>
+            <a:satMod val="170000"/>
+          </a:schemeClr>
+        </a:solidFill>
+        <a:gradFill rotWithShape="1">
+          <a:gsLst>
+            <a:gs pos="0">
+              <a:schemeClr val="phClr">
+                <a:tint val="93000"/>
+                <a:satMod val="150000"/>
+                <a:shade val="98000"/>
+                <a:lumMod val="102000"/>
+              </a:schemeClr>
+            </a:gs>
+            <a:gs pos="50000">
+              <a:schemeClr val="phClr">
+                <a:tint val="98000"/>
+                <a:satMod val="130000"/>
+                <a:shade val="90000"/>
+                <a:lumMod val="103000"/>
+              </a:schemeClr>
+            </a:gs>
+            <a:gs pos="100000">
+              <a:schemeClr val="phClr">
+                <a:shade val="63000"/>
+                <a:satMod val="120000"/>
+              </a:schemeClr>
+            </a:gs>
+          </a:gsLst>
+          <a:lin ang="5400000" scaled="0"/>
+        </a:gradFill>
+      </a:bgFillStyleLst>
+    </a:fmtScheme>
+  </a:themeElements>
+  <a:objectDefaults>
+    <a:lnDef>
+      <a:spPr/>
+      <a:bodyPr/>
+      <a:lstStyle/>
+      <a:style>
+        <a:lnRef idx="2">
+          <a:schemeClr val="accent1"/>
+        </a:lnRef>
+        <a:fillRef idx="0">
+          <a:schemeClr val="accent1"/>
+        </a:fillRef>
+        <a:effectRef idx="1">
+          <a:schemeClr val="accent1"/>
+        </a:effectRef>
+        <a:fontRef idx="minor">
+          <a:schemeClr val="tx1"/>
+        </a:fontRef>
+      </a:style>
+    </a:lnDef>
+  </a:objectDefaults>
+  <a:extraClrSchemeLst/>
+  <a:extLst>
+    <a:ext uri="{05A4C25C-085E-4340-85A3-A5531E510DB2}">
+      <thm15:themeFamily xmlns:thm15="http://schemas.microsoft.com/office/thememl/2012/main" name="Office Theme" id="{2E142A2C-CD16-42D6-873A-C26D2A0506FA}" vid="{1BDDFF52-6CD6-40A5-AB3C-68EB2F1E4D0A}"/>
+    </a:ext>
+  </a:extLst>
+</a:theme>
 </file>